--- a/York Code Dojo - TDD.pptx
+++ b/York Code Dojo - TDD.pptx
@@ -5,15 +5,16 @@
     <p:sldMasterId id="2147483648" r:id="rId1"/>
   </p:sldMasterIdLst>
   <p:notesMasterIdLst>
-    <p:notesMasterId r:id="rId8"/>
+    <p:notesMasterId r:id="rId9"/>
   </p:notesMasterIdLst>
   <p:sldIdLst>
     <p:sldId id="256" r:id="rId2"/>
     <p:sldId id="258" r:id="rId3"/>
     <p:sldId id="259" r:id="rId4"/>
     <p:sldId id="260" r:id="rId5"/>
-    <p:sldId id="261" r:id="rId6"/>
-    <p:sldId id="262" r:id="rId7"/>
+    <p:sldId id="263" r:id="rId6"/>
+    <p:sldId id="261" r:id="rId7"/>
+    <p:sldId id="262" r:id="rId8"/>
   </p:sldIdLst>
   <p:sldSz cx="12192000" cy="6858000"/>
   <p:notesSz cx="6742113" cy="9872663"/>
@@ -697,8 +698,105 @@
           <a:p>
             <a:r>
               <a:rPr lang="en-GB" baseline="0" dirty="0" smtClean="0"/>
-              <a:t>Who has done TDD before?</a:t>
-            </a:r>
+              <a:t>Who has done TDD before</a:t>
+            </a:r>
+            <a:r>
+              <a:rPr lang="en-GB" baseline="0" dirty="0" smtClean="0"/>
+              <a:t>?</a:t>
+            </a:r>
+          </a:p>
+          <a:p>
+            <a:endParaRPr lang="en-GB" baseline="0" dirty="0" smtClean="0"/>
+          </a:p>
+          <a:p>
+            <a:r>
+              <a:rPr lang="en-GB" baseline="0" dirty="0" smtClean="0"/>
+              <a:t>Normally you write your code – then test it</a:t>
+            </a:r>
+          </a:p>
+          <a:p>
+            <a:endParaRPr lang="en-GB" baseline="0" dirty="0" smtClean="0"/>
+          </a:p>
+          <a:p>
+            <a:r>
+              <a:rPr lang="en-GB" baseline="0" dirty="0" smtClean="0"/>
+              <a:t>With TDD you write your tests first,  then your code</a:t>
+            </a:r>
+          </a:p>
+          <a:p>
+            <a:endParaRPr lang="en-GB" baseline="0" dirty="0" smtClean="0"/>
+          </a:p>
+          <a:p>
+            <a:r>
+              <a:rPr lang="en-GB" baseline="0" dirty="0" smtClean="0"/>
+              <a:t>Why?</a:t>
+            </a:r>
+          </a:p>
+          <a:p>
+            <a:endParaRPr lang="en-GB" baseline="0" dirty="0" smtClean="0"/>
+          </a:p>
+          <a:p>
+            <a:r>
+              <a:rPr lang="en-GB" baseline="0" dirty="0" smtClean="0"/>
+              <a:t>Tests become the specification or documentation for your code</a:t>
+            </a:r>
+          </a:p>
+          <a:p>
+            <a:endParaRPr lang="en-GB" baseline="0" dirty="0" smtClean="0"/>
+          </a:p>
+          <a:p>
+            <a:r>
+              <a:rPr lang="en-GB" baseline="0" dirty="0" smtClean="0"/>
+              <a:t>You write code which is testable</a:t>
+            </a:r>
+          </a:p>
+          <a:p>
+            <a:endParaRPr lang="en-GB" baseline="0" dirty="0" smtClean="0"/>
+          </a:p>
+          <a:p>
+            <a:r>
+              <a:rPr lang="en-GB" baseline="0" dirty="0" smtClean="0"/>
+              <a:t>You have a very high test coverage %</a:t>
+            </a:r>
+          </a:p>
+          <a:p>
+            <a:endParaRPr lang="en-GB" baseline="0" dirty="0" smtClean="0"/>
+          </a:p>
+          <a:p>
+            <a:r>
+              <a:rPr lang="en-GB" baseline="0" dirty="0" smtClean="0"/>
+              <a:t>It’s a three stage process</a:t>
+            </a:r>
+          </a:p>
+          <a:p>
+            <a:endParaRPr lang="en-GB" baseline="0" dirty="0" smtClean="0"/>
+          </a:p>
+          <a:p>
+            <a:r>
+              <a:rPr lang="en-GB" baseline="0" dirty="0" smtClean="0"/>
+              <a:t>Red - Write a test (which fails)</a:t>
+            </a:r>
+          </a:p>
+          <a:p>
+            <a:r>
+              <a:rPr lang="en-GB" baseline="0" dirty="0" smtClean="0"/>
+              <a:t>Green - Write the minimum amount to pass your test</a:t>
+            </a:r>
+          </a:p>
+          <a:p>
+            <a:r>
+              <a:rPr lang="en-GB" baseline="0" dirty="0" smtClean="0"/>
+              <a:t>Refactor (tidy up your code)</a:t>
+            </a:r>
+          </a:p>
+          <a:p>
+            <a:r>
+              <a:rPr lang="en-GB" baseline="0" dirty="0" smtClean="0"/>
+              <a:t>Check your tests still pass</a:t>
+            </a:r>
+          </a:p>
+          <a:p>
+            <a:endParaRPr lang="en-GB" baseline="0" dirty="0" smtClean="0"/>
           </a:p>
           <a:p>
             <a:endParaRPr lang="en-GB" dirty="0"/>
@@ -904,41 +1002,7 @@
           <a:bodyPr/>
           <a:lstStyle/>
           <a:p>
-            <a:r>
-              <a:rPr lang="en-GB" dirty="0" smtClean="0"/>
-              <a:t>Aim - Trying TDD is more</a:t>
-            </a:r>
-            <a:r>
-              <a:rPr lang="en-GB" baseline="0" dirty="0" smtClean="0"/>
-              <a:t> important that solving the problem</a:t>
-            </a:r>
-          </a:p>
-          <a:p>
-            <a:endParaRPr lang="en-GB" baseline="0" dirty="0" smtClean="0"/>
-          </a:p>
-          <a:p>
-            <a:r>
-              <a:rPr lang="en-GB" baseline="0" dirty="0" smtClean="0"/>
-              <a:t>Technique - Don’t think about how you are going to solve it.</a:t>
-            </a:r>
-          </a:p>
-          <a:p>
-            <a:endParaRPr lang="en-GB" baseline="0" dirty="0" smtClean="0"/>
-          </a:p>
-          <a:p>
-            <a:r>
-              <a:rPr lang="en-GB" baseline="0" dirty="0" smtClean="0"/>
-              <a:t>Requirements - If in doubt look at how notepad works</a:t>
-            </a:r>
-          </a:p>
-          <a:p>
-            <a:endParaRPr lang="en-GB" baseline="0" dirty="0" smtClean="0"/>
-          </a:p>
-          <a:p>
-            <a:r>
-              <a:rPr lang="en-GB" baseline="0" dirty="0" smtClean="0"/>
-              <a:t>Pairs - Work in pairs,  ping-pong.  One writes the test,  the other writes the code.  Then swap</a:t>
-            </a:r>
+            <a:endParaRPr lang="en-GB" dirty="0"/>
           </a:p>
         </p:txBody>
       </p:sp>
@@ -968,7 +1032,7 @@
     </p:spTree>
     <p:extLst>
       <p:ext uri="{BB962C8B-B14F-4D97-AF65-F5344CB8AC3E}">
-        <p14:creationId xmlns:p14="http://schemas.microsoft.com/office/powerpoint/2010/main" val="223247305"/>
+        <p14:creationId xmlns:p14="http://schemas.microsoft.com/office/powerpoint/2010/main" val="1586806734"/>
       </p:ext>
     </p:extLst>
   </p:cSld>
@@ -1022,6 +1086,69 @@
           <a:bodyPr/>
           <a:lstStyle/>
           <a:p>
+            <a:r>
+              <a:rPr lang="en-GB" dirty="0" smtClean="0"/>
+              <a:t>Aim - Trying TDD is more</a:t>
+            </a:r>
+            <a:r>
+              <a:rPr lang="en-GB" baseline="0" dirty="0" smtClean="0"/>
+              <a:t> important that solving the problem</a:t>
+            </a:r>
+          </a:p>
+          <a:p>
+            <a:endParaRPr lang="en-GB" baseline="0" dirty="0" smtClean="0"/>
+          </a:p>
+          <a:p>
+            <a:r>
+              <a:rPr lang="en-GB" baseline="0" dirty="0" smtClean="0"/>
+              <a:t>Technique - Don’t think about how you are going to solve it.</a:t>
+            </a:r>
+          </a:p>
+          <a:p>
+            <a:endParaRPr lang="en-GB" baseline="0" dirty="0" smtClean="0"/>
+          </a:p>
+          <a:p>
+            <a:r>
+              <a:rPr lang="en-GB" baseline="0" dirty="0" smtClean="0"/>
+              <a:t>Requirements - If in doubt look at how notepad works</a:t>
+            </a:r>
+          </a:p>
+          <a:p>
+            <a:endParaRPr lang="en-GB" baseline="0" dirty="0" smtClean="0"/>
+          </a:p>
+          <a:p>
+            <a:r>
+              <a:rPr lang="en-GB" baseline="0" dirty="0" smtClean="0"/>
+              <a:t>Pairs - Work in pairs,  ping-pong.  One </a:t>
+            </a:r>
+            <a:r>
+              <a:rPr lang="en-GB" baseline="0" dirty="0" smtClean="0"/>
+              <a:t>writes </a:t>
+            </a:r>
+            <a:r>
+              <a:rPr lang="en-GB" baseline="0" dirty="0" smtClean="0"/>
+              <a:t>the test,  the other writes the code.  Then </a:t>
+            </a:r>
+            <a:r>
+              <a:rPr lang="en-GB" baseline="0" dirty="0" smtClean="0"/>
+              <a:t>swap</a:t>
+            </a:r>
+          </a:p>
+          <a:p>
+            <a:endParaRPr lang="en-GB" baseline="0" dirty="0" smtClean="0"/>
+          </a:p>
+          <a:p>
+            <a:endParaRPr lang="en-GB" baseline="0" dirty="0" smtClean="0"/>
+          </a:p>
+          <a:p>
+            <a:r>
+              <a:rPr lang="en-GB" baseline="0" dirty="0" smtClean="0"/>
+              <a:t>What if the word is </a:t>
+            </a:r>
+            <a:r>
+              <a:rPr lang="en-GB" baseline="0" dirty="0" err="1" smtClean="0"/>
+              <a:t>hypenated</a:t>
+            </a:r>
             <a:endParaRPr lang="en-GB" baseline="0" dirty="0" smtClean="0"/>
           </a:p>
         </p:txBody>
@@ -1044,6 +1171,90 @@
             <a:fld id="{59855E35-2792-42B5-AA9B-1CC1651621A6}" type="slidenum">
               <a:rPr lang="en-GB" smtClean="0"/>
               <a:t>6</a:t>
+            </a:fld>
+            <a:endParaRPr lang="en-GB"/>
+          </a:p>
+        </p:txBody>
+      </p:sp>
+    </p:spTree>
+    <p:extLst>
+      <p:ext uri="{BB962C8B-B14F-4D97-AF65-F5344CB8AC3E}">
+        <p14:creationId xmlns:p14="http://schemas.microsoft.com/office/powerpoint/2010/main" val="223247305"/>
+      </p:ext>
+    </p:extLst>
+  </p:cSld>
+  <p:clrMapOvr>
+    <a:masterClrMapping/>
+  </p:clrMapOvr>
+</p:notes>
+</file>
+
+<file path=ppt/notesSlides/notesSlide7.xml><?xml version="1.0" encoding="utf-8"?>
+<p:notes xmlns:a="http://schemas.openxmlformats.org/drawingml/2006/main" xmlns:r="http://schemas.openxmlformats.org/officeDocument/2006/relationships" xmlns:p="http://schemas.openxmlformats.org/presentationml/2006/main">
+  <p:cSld>
+    <p:spTree>
+      <p:nvGrpSpPr>
+        <p:cNvPr id="1" name=""/>
+        <p:cNvGrpSpPr/>
+        <p:nvPr/>
+      </p:nvGrpSpPr>
+      <p:grpSpPr>
+        <a:xfrm>
+          <a:off x="0" y="0"/>
+          <a:ext cx="0" cy="0"/>
+          <a:chOff x="0" y="0"/>
+          <a:chExt cx="0" cy="0"/>
+        </a:xfrm>
+      </p:grpSpPr>
+      <p:sp>
+        <p:nvSpPr>
+          <p:cNvPr id="2" name="Slide Image Placeholder 1"/>
+          <p:cNvSpPr>
+            <a:spLocks noGrp="1" noRot="1" noChangeAspect="1"/>
+          </p:cNvSpPr>
+          <p:nvPr>
+            <p:ph type="sldImg"/>
+          </p:nvPr>
+        </p:nvSpPr>
+        <p:spPr/>
+      </p:sp>
+      <p:sp>
+        <p:nvSpPr>
+          <p:cNvPr id="3" name="Notes Placeholder 2"/>
+          <p:cNvSpPr>
+            <a:spLocks noGrp="1"/>
+          </p:cNvSpPr>
+          <p:nvPr>
+            <p:ph type="body" idx="1"/>
+          </p:nvPr>
+        </p:nvSpPr>
+        <p:spPr/>
+        <p:txBody>
+          <a:bodyPr/>
+          <a:lstStyle/>
+          <a:p>
+            <a:endParaRPr lang="en-GB" baseline="0" dirty="0" smtClean="0"/>
+          </a:p>
+        </p:txBody>
+      </p:sp>
+      <p:sp>
+        <p:nvSpPr>
+          <p:cNvPr id="4" name="Slide Number Placeholder 3"/>
+          <p:cNvSpPr>
+            <a:spLocks noGrp="1"/>
+          </p:cNvSpPr>
+          <p:nvPr>
+            <p:ph type="sldNum" sz="quarter" idx="10"/>
+          </p:nvPr>
+        </p:nvSpPr>
+        <p:spPr/>
+        <p:txBody>
+          <a:bodyPr/>
+          <a:lstStyle/>
+          <a:p>
+            <a:fld id="{59855E35-2792-42B5-AA9B-1CC1651621A6}" type="slidenum">
+              <a:rPr lang="en-GB" smtClean="0"/>
+              <a:t>7</a:t>
             </a:fld>
             <a:endParaRPr lang="en-GB"/>
           </a:p>
@@ -4407,6 +4618,156 @@
             <p:ph type="title"/>
           </p:nvPr>
         </p:nvSpPr>
+        <p:spPr>
+          <a:xfrm>
+            <a:off x="1562792" y="365125"/>
+            <a:ext cx="9791007" cy="1325563"/>
+          </a:xfrm>
+        </p:spPr>
+        <p:txBody>
+          <a:bodyPr/>
+          <a:lstStyle/>
+          <a:p>
+            <a:r>
+              <a:rPr lang="en-GB" dirty="0" smtClean="0"/>
+              <a:t>Word Wrap</a:t>
+            </a:r>
+            <a:endParaRPr lang="en-GB" dirty="0"/>
+          </a:p>
+        </p:txBody>
+      </p:sp>
+      <p:sp>
+        <p:nvSpPr>
+          <p:cNvPr id="3" name="Content Placeholder 2"/>
+          <p:cNvSpPr>
+            <a:spLocks noGrp="1"/>
+          </p:cNvSpPr>
+          <p:nvPr>
+            <p:ph idx="1"/>
+          </p:nvPr>
+        </p:nvSpPr>
+        <p:spPr>
+          <a:xfrm>
+            <a:off x="1313410" y="1825625"/>
+            <a:ext cx="10040389" cy="4351338"/>
+          </a:xfrm>
+        </p:spPr>
+        <p:txBody>
+          <a:bodyPr/>
+          <a:lstStyle/>
+          <a:p>
+            <a:r>
+              <a:rPr lang="en-GB" dirty="0"/>
+              <a:t>You write a class called </a:t>
+            </a:r>
+            <a:r>
+              <a:rPr lang="en-GB" b="1" dirty="0"/>
+              <a:t>Wrapper</a:t>
+            </a:r>
+            <a:r>
+              <a:rPr lang="en-GB" dirty="0"/>
+              <a:t>, that has </a:t>
+            </a:r>
+            <a:r>
+              <a:rPr lang="en-GB" dirty="0" smtClean="0"/>
+              <a:t>a function </a:t>
+            </a:r>
+            <a:r>
+              <a:rPr lang="en-GB" dirty="0"/>
+              <a:t>named </a:t>
+            </a:r>
+            <a:r>
+              <a:rPr lang="en-GB" b="1" dirty="0"/>
+              <a:t>wrap</a:t>
+            </a:r>
+            <a:r>
+              <a:rPr lang="en-GB" dirty="0"/>
+              <a:t> that takes two arguments, a string, and a column number.  </a:t>
+            </a:r>
+            <a:endParaRPr lang="en-GB" dirty="0" smtClean="0"/>
+          </a:p>
+          <a:p>
+            <a:r>
+              <a:rPr lang="en-GB" dirty="0" smtClean="0"/>
+              <a:t>The </a:t>
+            </a:r>
+            <a:r>
+              <a:rPr lang="en-GB" dirty="0"/>
+              <a:t>function returns the string, but with line breaks inserted at just the right places to make sure that no line is longer than the column number.  </a:t>
+            </a:r>
+            <a:endParaRPr lang="en-GB" dirty="0" smtClean="0"/>
+          </a:p>
+          <a:p>
+            <a:r>
+              <a:rPr lang="en-GB" dirty="0" smtClean="0"/>
+              <a:t>You </a:t>
+            </a:r>
+            <a:r>
+              <a:rPr lang="en-GB" dirty="0"/>
+              <a:t>try to break lines at word boundaries</a:t>
+            </a:r>
+            <a:r>
+              <a:rPr lang="en-GB" dirty="0" smtClean="0"/>
+              <a:t>.</a:t>
+            </a:r>
+          </a:p>
+          <a:p>
+            <a:r>
+              <a:rPr lang="en-GB" dirty="0" smtClean="0"/>
+              <a:t>If it doubt try to replicate the behaviour of your text editor (notepad </a:t>
+            </a:r>
+            <a:r>
+              <a:rPr lang="en-GB" dirty="0" err="1" smtClean="0"/>
+              <a:t>etc</a:t>
+            </a:r>
+            <a:r>
+              <a:rPr lang="en-GB" dirty="0" smtClean="0"/>
+              <a:t>)</a:t>
+            </a:r>
+            <a:endParaRPr lang="en-GB" dirty="0"/>
+          </a:p>
+        </p:txBody>
+      </p:sp>
+    </p:spTree>
+    <p:extLst>
+      <p:ext uri="{BB962C8B-B14F-4D97-AF65-F5344CB8AC3E}">
+        <p14:creationId xmlns:p14="http://schemas.microsoft.com/office/powerpoint/2010/main" val="2294086215"/>
+      </p:ext>
+    </p:extLst>
+  </p:cSld>
+  <p:clrMapOvr>
+    <a:masterClrMapping/>
+  </p:clrMapOvr>
+</p:sld>
+</file>
+
+<file path=ppt/slides/slide6.xml><?xml version="1.0" encoding="utf-8"?>
+<p:sld xmlns:a="http://schemas.openxmlformats.org/drawingml/2006/main" xmlns:r="http://schemas.openxmlformats.org/officeDocument/2006/relationships" xmlns:p="http://schemas.openxmlformats.org/presentationml/2006/main">
+  <p:cSld>
+    <p:spTree>
+      <p:nvGrpSpPr>
+        <p:cNvPr id="1" name=""/>
+        <p:cNvGrpSpPr/>
+        <p:nvPr/>
+      </p:nvGrpSpPr>
+      <p:grpSpPr>
+        <a:xfrm>
+          <a:off x="0" y="0"/>
+          <a:ext cx="0" cy="0"/>
+          <a:chOff x="0" y="0"/>
+          <a:chExt cx="0" cy="0"/>
+        </a:xfrm>
+      </p:grpSpPr>
+      <p:sp>
+        <p:nvSpPr>
+          <p:cNvPr id="2" name="Title 1"/>
+          <p:cNvSpPr>
+            <a:spLocks noGrp="1"/>
+          </p:cNvSpPr>
+          <p:nvPr>
+            <p:ph type="title"/>
+          </p:nvPr>
+        </p:nvSpPr>
         <p:spPr/>
         <p:txBody>
           <a:bodyPr/>
@@ -4454,7 +4815,6 @@
               <a:rPr lang="en-GB" dirty="0" smtClean="0"/>
               <a:t>Technique</a:t>
             </a:r>
-            <a:endParaRPr lang="en-GB" dirty="0" smtClean="0"/>
           </a:p>
           <a:p>
             <a:endParaRPr lang="en-GB" dirty="0" smtClean="0"/>
@@ -4497,7 +4857,7 @@
 </p:sld>
 </file>
 
-<file path=ppt/slides/slide6.xml><?xml version="1.0" encoding="utf-8"?>
+<file path=ppt/slides/slide7.xml><?xml version="1.0" encoding="utf-8"?>
 <p:sld xmlns:a="http://schemas.openxmlformats.org/drawingml/2006/main" xmlns:r="http://schemas.openxmlformats.org/officeDocument/2006/relationships" xmlns:p="http://schemas.openxmlformats.org/presentationml/2006/main">
   <p:cSld>
     <p:spTree>
